--- a/docs/diagrams/ExportCommandSequenceDiagram.pptx
+++ b/docs/diagrams/ExportCommandSequenceDiagram.pptx
@@ -5,7 +5,7 @@
     <p:sldMasterId id="2147483648" r:id="rId1"/>
   </p:sldMasterIdLst>
   <p:sldIdLst>
-    <p:sldId id="256" r:id="rId2"/>
+    <p:sldId id="257" r:id="rId2"/>
   </p:sldIdLst>
   <p:sldSz cx="9144000" cy="6858000" type="screen4x3"/>
   <p:notesSz cx="6858000" cy="9144000"/>
@@ -305,7 +305,7 @@
             <a:fld id="{8151F6BF-3986-48D8-86F9-857EFF229DCD}" type="datetimeFigureOut">
               <a:rPr lang="en-SG" smtClean="0"/>
               <a:pPr/>
-              <a:t>4/4/2018</a:t>
+              <a:t>14/4/2018</a:t>
             </a:fld>
             <a:endParaRPr lang="en-SG"/>
           </a:p>
@@ -472,7 +472,7 @@
             <a:fld id="{8151F6BF-3986-48D8-86F9-857EFF229DCD}" type="datetimeFigureOut">
               <a:rPr lang="en-SG" smtClean="0"/>
               <a:pPr/>
-              <a:t>4/4/2018</a:t>
+              <a:t>14/4/2018</a:t>
             </a:fld>
             <a:endParaRPr lang="en-SG"/>
           </a:p>
@@ -649,7 +649,7 @@
             <a:fld id="{8151F6BF-3986-48D8-86F9-857EFF229DCD}" type="datetimeFigureOut">
               <a:rPr lang="en-SG" smtClean="0"/>
               <a:pPr/>
-              <a:t>4/4/2018</a:t>
+              <a:t>14/4/2018</a:t>
             </a:fld>
             <a:endParaRPr lang="en-SG"/>
           </a:p>
@@ -816,7 +816,7 @@
             <a:fld id="{8151F6BF-3986-48D8-86F9-857EFF229DCD}" type="datetimeFigureOut">
               <a:rPr lang="en-SG" smtClean="0"/>
               <a:pPr/>
-              <a:t>4/4/2018</a:t>
+              <a:t>14/4/2018</a:t>
             </a:fld>
             <a:endParaRPr lang="en-SG"/>
           </a:p>
@@ -1059,7 +1059,7 @@
             <a:fld id="{8151F6BF-3986-48D8-86F9-857EFF229DCD}" type="datetimeFigureOut">
               <a:rPr lang="en-SG" smtClean="0"/>
               <a:pPr/>
-              <a:t>4/4/2018</a:t>
+              <a:t>14/4/2018</a:t>
             </a:fld>
             <a:endParaRPr lang="en-SG"/>
           </a:p>
@@ -1344,7 +1344,7 @@
             <a:fld id="{8151F6BF-3986-48D8-86F9-857EFF229DCD}" type="datetimeFigureOut">
               <a:rPr lang="en-SG" smtClean="0"/>
               <a:pPr/>
-              <a:t>4/4/2018</a:t>
+              <a:t>14/4/2018</a:t>
             </a:fld>
             <a:endParaRPr lang="en-SG"/>
           </a:p>
@@ -1763,7 +1763,7 @@
             <a:fld id="{8151F6BF-3986-48D8-86F9-857EFF229DCD}" type="datetimeFigureOut">
               <a:rPr lang="en-SG" smtClean="0"/>
               <a:pPr/>
-              <a:t>4/4/2018</a:t>
+              <a:t>14/4/2018</a:t>
             </a:fld>
             <a:endParaRPr lang="en-SG"/>
           </a:p>
@@ -1878,7 +1878,7 @@
             <a:fld id="{8151F6BF-3986-48D8-86F9-857EFF229DCD}" type="datetimeFigureOut">
               <a:rPr lang="en-SG" smtClean="0"/>
               <a:pPr/>
-              <a:t>4/4/2018</a:t>
+              <a:t>14/4/2018</a:t>
             </a:fld>
             <a:endParaRPr lang="en-SG"/>
           </a:p>
@@ -1970,7 +1970,7 @@
             <a:fld id="{8151F6BF-3986-48D8-86F9-857EFF229DCD}" type="datetimeFigureOut">
               <a:rPr lang="en-SG" smtClean="0"/>
               <a:pPr/>
-              <a:t>4/4/2018</a:t>
+              <a:t>14/4/2018</a:t>
             </a:fld>
             <a:endParaRPr lang="en-SG"/>
           </a:p>
@@ -2244,7 +2244,7 @@
             <a:fld id="{8151F6BF-3986-48D8-86F9-857EFF229DCD}" type="datetimeFigureOut">
               <a:rPr lang="en-SG" smtClean="0"/>
               <a:pPr/>
-              <a:t>4/4/2018</a:t>
+              <a:t>14/4/2018</a:t>
             </a:fld>
             <a:endParaRPr lang="en-SG"/>
           </a:p>
@@ -2494,7 +2494,7 @@
             <a:fld id="{8151F6BF-3986-48D8-86F9-857EFF229DCD}" type="datetimeFigureOut">
               <a:rPr lang="en-SG" smtClean="0"/>
               <a:pPr/>
-              <a:t>4/4/2018</a:t>
+              <a:t>14/4/2018</a:t>
             </a:fld>
             <a:endParaRPr lang="en-SG"/>
           </a:p>
@@ -2704,7 +2704,7 @@
             <a:fld id="{8151F6BF-3986-48D8-86F9-857EFF229DCD}" type="datetimeFigureOut">
               <a:rPr lang="en-SG" smtClean="0"/>
               <a:pPr/>
-              <a:t>4/4/2018</a:t>
+              <a:t>14/4/2018</a:t>
             </a:fld>
             <a:endParaRPr lang="en-SG"/>
           </a:p>
@@ -3077,14 +3077,20 @@
       </p:grpSpPr>
       <p:sp>
         <p:nvSpPr>
-          <p:cNvPr id="43" name="Rectangle 65"/>
+          <p:cNvPr id="4" name="Rectangle 65">
+            <a:extLst>
+              <a:ext uri="{FF2B5EF4-FFF2-40B4-BE49-F238E27FC236}">
+                <a16:creationId xmlns:a16="http://schemas.microsoft.com/office/drawing/2014/main" id="{FD7EEE30-8C40-47E1-8EFD-FABEBD79C4FC}"/>
+              </a:ext>
+            </a:extLst>
+          </p:cNvPr>
           <p:cNvSpPr/>
           <p:nvPr/>
         </p:nvSpPr>
         <p:spPr>
           <a:xfrm>
-            <a:off x="499939" y="1187053"/>
-            <a:ext cx="7550974" cy="4343400"/>
+            <a:off x="359024" y="620688"/>
+            <a:ext cx="8659009" cy="5472608"/>
           </a:xfrm>
           <a:prstGeom prst="roundRect">
             <a:avLst>
@@ -3232,13 +3238,19 @@
       </p:sp>
       <p:sp>
         <p:nvSpPr>
-          <p:cNvPr id="44" name="Rectangle 43"/>
+          <p:cNvPr id="5" name="Rectangle 4">
+            <a:extLst>
+              <a:ext uri="{FF2B5EF4-FFF2-40B4-BE49-F238E27FC236}">
+                <a16:creationId xmlns:a16="http://schemas.microsoft.com/office/drawing/2014/main" id="{9E2ECD29-4FA4-468F-B27C-87ACA1A05648}"/>
+              </a:ext>
+            </a:extLst>
+          </p:cNvPr>
           <p:cNvSpPr/>
           <p:nvPr/>
         </p:nvSpPr>
         <p:spPr>
           <a:xfrm>
-            <a:off x="844137" y="1512098"/>
+            <a:off x="628113" y="1052736"/>
             <a:ext cx="1455629" cy="346760"/>
           </a:xfrm>
           <a:prstGeom prst="rect">
@@ -3373,15 +3385,7 @@
                   <a:schemeClr val="bg1"/>
                 </a:solidFill>
               </a:rPr>
-              <a:t>:</a:t>
-            </a:r>
-            <a:r>
-              <a:rPr lang="en-US" sz="1600" dirty="0" err="1">
-                <a:solidFill>
-                  <a:schemeClr val="bg1"/>
-                </a:solidFill>
-              </a:rPr>
-              <a:t>LogicManager</a:t>
+              <a:t>:LogicManager</a:t>
             </a:r>
             <a:endParaRPr lang="en-SG" sz="1600" dirty="0">
               <a:solidFill>
@@ -3393,7 +3397,13 @@
       </p:sp>
       <p:cxnSp>
         <p:nvCxnSpPr>
-          <p:cNvPr id="45" name="Straight Connector 44"/>
+          <p:cNvPr id="6" name="Straight Connector 5">
+            <a:extLst>
+              <a:ext uri="{FF2B5EF4-FFF2-40B4-BE49-F238E27FC236}">
+                <a16:creationId xmlns:a16="http://schemas.microsoft.com/office/drawing/2014/main" id="{1ABA1552-73AF-4C6C-AA18-FCFDD3ECE63A}"/>
+              </a:ext>
+            </a:extLst>
+          </p:cNvPr>
           <p:cNvCxnSpPr>
             <a:cxnSpLocks/>
           </p:cNvCxnSpPr>
@@ -3401,8 +3411,8 @@
         </p:nvCxnSpPr>
         <p:spPr>
           <a:xfrm>
-            <a:off x="1571951" y="1875769"/>
-            <a:ext cx="0" cy="3481399"/>
+            <a:off x="1355927" y="1413296"/>
+            <a:ext cx="0" cy="4500000"/>
           </a:xfrm>
           <a:prstGeom prst="line">
             <a:avLst/>
@@ -3432,14 +3442,20 @@
       </p:cxnSp>
       <p:sp>
         <p:nvSpPr>
-          <p:cNvPr id="46" name="Rectangle 45"/>
+          <p:cNvPr id="7" name="Rectangle 6">
+            <a:extLst>
+              <a:ext uri="{FF2B5EF4-FFF2-40B4-BE49-F238E27FC236}">
+                <a16:creationId xmlns:a16="http://schemas.microsoft.com/office/drawing/2014/main" id="{68D42877-06C7-4664-9B91-0B5308480145}"/>
+              </a:ext>
+            </a:extLst>
+          </p:cNvPr>
           <p:cNvSpPr/>
           <p:nvPr/>
         </p:nvSpPr>
         <p:spPr>
           <a:xfrm>
-            <a:off x="1499943" y="2226463"/>
-            <a:ext cx="152400" cy="2932689"/>
+            <a:off x="1283919" y="2226462"/>
+            <a:ext cx="152400" cy="3463200"/>
           </a:xfrm>
           <a:prstGeom prst="rect">
             <a:avLst/>
@@ -3573,13 +3589,19 @@
       </p:sp>
       <p:sp>
         <p:nvSpPr>
-          <p:cNvPr id="47" name="Rectangle 46"/>
+          <p:cNvPr id="8" name="Rectangle 7">
+            <a:extLst>
+              <a:ext uri="{FF2B5EF4-FFF2-40B4-BE49-F238E27FC236}">
+                <a16:creationId xmlns:a16="http://schemas.microsoft.com/office/drawing/2014/main" id="{A236B8D0-CF09-440C-8E37-8216A7CF0AA1}"/>
+              </a:ext>
+            </a:extLst>
+          </p:cNvPr>
           <p:cNvSpPr/>
           <p:nvPr/>
         </p:nvSpPr>
         <p:spPr>
           <a:xfrm>
-            <a:off x="3548758" y="1391174"/>
+            <a:off x="2704728" y="1052736"/>
             <a:ext cx="1219200" cy="467684"/>
           </a:xfrm>
           <a:prstGeom prst="rect">
@@ -3720,7 +3742,7 @@
           <a:p>
             <a:pPr algn="ctr"/>
             <a:r>
-              <a:rPr lang="en-US" sz="1600" dirty="0" err="1">
+              <a:rPr lang="en-US" sz="1600" dirty="0">
                 <a:solidFill>
                   <a:schemeClr val="bg1"/>
                 </a:solidFill>
@@ -3737,7 +3759,13 @@
       </p:sp>
       <p:cxnSp>
         <p:nvCxnSpPr>
-          <p:cNvPr id="48" name="Straight Connector 47"/>
+          <p:cNvPr id="9" name="Straight Connector 8">
+            <a:extLst>
+              <a:ext uri="{FF2B5EF4-FFF2-40B4-BE49-F238E27FC236}">
+                <a16:creationId xmlns:a16="http://schemas.microsoft.com/office/drawing/2014/main" id="{A310D80E-979E-4D6C-890C-059F649A53D1}"/>
+              </a:ext>
+            </a:extLst>
+          </p:cNvPr>
           <p:cNvCxnSpPr>
             <a:cxnSpLocks/>
           </p:cNvCxnSpPr>
@@ -3745,8 +3773,8 @@
         </p:nvCxnSpPr>
         <p:spPr>
           <a:xfrm>
-            <a:off x="4162157" y="1875769"/>
-            <a:ext cx="0" cy="1482984"/>
+            <a:off x="3241183" y="1413056"/>
+            <a:ext cx="0" cy="2844000"/>
           </a:xfrm>
           <a:prstGeom prst="line">
             <a:avLst/>
@@ -3776,14 +3804,20 @@
       </p:cxnSp>
       <p:sp>
         <p:nvSpPr>
-          <p:cNvPr id="49" name="Rectangle 48"/>
+          <p:cNvPr id="10" name="Rectangle 9">
+            <a:extLst>
+              <a:ext uri="{FF2B5EF4-FFF2-40B4-BE49-F238E27FC236}">
+                <a16:creationId xmlns:a16="http://schemas.microsoft.com/office/drawing/2014/main" id="{A2C1BB30-8B0E-4EA2-9CAC-55D19884D4FD}"/>
+              </a:ext>
+            </a:extLst>
+          </p:cNvPr>
           <p:cNvSpPr/>
           <p:nvPr/>
         </p:nvSpPr>
         <p:spPr>
           <a:xfrm>
-            <a:off x="4090150" y="2333962"/>
-            <a:ext cx="154408" cy="767790"/>
+            <a:off x="3169176" y="2303529"/>
+            <a:ext cx="154408" cy="1728000"/>
           </a:xfrm>
           <a:prstGeom prst="rect">
             <a:avLst/>
@@ -3921,17 +3955,22 @@
       </p:sp>
       <p:cxnSp>
         <p:nvCxnSpPr>
-          <p:cNvPr id="50" name="Straight Connector 49"/>
+          <p:cNvPr id="11" name="Straight Connector 10">
+            <a:extLst>
+              <a:ext uri="{FF2B5EF4-FFF2-40B4-BE49-F238E27FC236}">
+                <a16:creationId xmlns:a16="http://schemas.microsoft.com/office/drawing/2014/main" id="{9DDF1757-BC59-4F5F-8E12-36FC56DE3658}"/>
+              </a:ext>
+            </a:extLst>
+          </p:cNvPr>
           <p:cNvCxnSpPr>
             <a:cxnSpLocks/>
-            <a:stCxn id="51" idx="0"/>
           </p:cNvCxnSpPr>
           <p:nvPr/>
         </p:nvCxnSpPr>
         <p:spPr>
           <a:xfrm flipH="1">
-            <a:off x="5676816" y="2581785"/>
-            <a:ext cx="36836" cy="2644578"/>
+            <a:off x="6713908" y="3735040"/>
+            <a:ext cx="36836" cy="1980000"/>
           </a:xfrm>
           <a:prstGeom prst="line">
             <a:avLst/>
@@ -3961,14 +4000,20 @@
       </p:cxnSp>
       <p:sp>
         <p:nvSpPr>
-          <p:cNvPr id="51" name="Rectangle 50"/>
+          <p:cNvPr id="12" name="Rectangle 11">
+            <a:extLst>
+              <a:ext uri="{FF2B5EF4-FFF2-40B4-BE49-F238E27FC236}">
+                <a16:creationId xmlns:a16="http://schemas.microsoft.com/office/drawing/2014/main" id="{C18FC378-AAE1-4FB5-B086-31424521C2A2}"/>
+              </a:ext>
+            </a:extLst>
+          </p:cNvPr>
           <p:cNvSpPr/>
           <p:nvPr/>
         </p:nvSpPr>
         <p:spPr>
           <a:xfrm>
-            <a:off x="5637452" y="2581785"/>
-            <a:ext cx="152400" cy="276003"/>
+            <a:off x="6662758" y="3681040"/>
+            <a:ext cx="152400" cy="108000"/>
           </a:xfrm>
           <a:prstGeom prst="rect">
             <a:avLst/>
@@ -4102,178 +4147,20 @@
       </p:sp>
       <p:cxnSp>
         <p:nvCxnSpPr>
-          <p:cNvPr id="52" name="Straight Arrow Connector 51"/>
+          <p:cNvPr id="13" name="Straight Arrow Connector 12">
+            <a:extLst>
+              <a:ext uri="{FF2B5EF4-FFF2-40B4-BE49-F238E27FC236}">
+                <a16:creationId xmlns:a16="http://schemas.microsoft.com/office/drawing/2014/main" id="{8735429B-666D-40C7-9DE0-353801F471F0}"/>
+              </a:ext>
+            </a:extLst>
+          </p:cNvPr>
           <p:cNvCxnSpPr/>
           <p:nvPr/>
         </p:nvCxnSpPr>
         <p:spPr>
           <a:xfrm>
-            <a:off x="380092" y="2230151"/>
+            <a:off x="164068" y="2230151"/>
             <a:ext cx="1119851" cy="0"/>
-          </a:xfrm>
-          <a:prstGeom prst="straightConnector1">
-            <a:avLst/>
-          </a:prstGeom>
-          <a:ln w="19050">
-            <a:solidFill>
-              <a:srgbClr val="00B050"/>
-            </a:solidFill>
-            <a:tailEnd type="arrow"/>
-          </a:ln>
-        </p:spPr>
-        <p:style>
-          <a:lnRef idx="1">
-            <a:schemeClr val="accent1"/>
-          </a:lnRef>
-          <a:fillRef idx="0">
-            <a:schemeClr val="accent1"/>
-          </a:fillRef>
-          <a:effectRef idx="0">
-            <a:schemeClr val="accent1"/>
-          </a:effectRef>
-          <a:fontRef idx="minor">
-            <a:schemeClr val="tx1"/>
-          </a:fontRef>
-        </p:style>
-      </p:cxnSp>
-      <p:sp>
-        <p:nvSpPr>
-          <p:cNvPr id="53" name="TextBox 25"/>
-          <p:cNvSpPr txBox="1"/>
-          <p:nvPr/>
-        </p:nvSpPr>
-        <p:spPr>
-          <a:xfrm>
-            <a:off x="-908" y="1958752"/>
-            <a:ext cx="1424846" cy="215444"/>
-          </a:xfrm>
-          <a:prstGeom prst="rect">
-            <a:avLst/>
-          </a:prstGeom>
-          <a:noFill/>
-        </p:spPr>
-        <p:txBody>
-          <a:bodyPr wrap="square" lIns="0" tIns="0" rIns="0" bIns="0" rtlCol="0">
-            <a:spAutoFit/>
-          </a:bodyPr>
-          <a:lstStyle>
-            <a:defPPr>
-              <a:defRPr lang="en-US"/>
-            </a:defPPr>
-            <a:lvl1pPr marL="0" algn="l" defTabSz="914400" rtl="0" eaLnBrk="1" latinLnBrk="0" hangingPunct="1">
-              <a:defRPr sz="1800" kern="1200">
-                <a:solidFill>
-                  <a:schemeClr val="tx1"/>
-                </a:solidFill>
-                <a:latin typeface="+mn-lt"/>
-                <a:ea typeface="+mn-ea"/>
-                <a:cs typeface="+mn-cs"/>
-              </a:defRPr>
-            </a:lvl1pPr>
-            <a:lvl2pPr marL="457200" algn="l" defTabSz="914400" rtl="0" eaLnBrk="1" latinLnBrk="0" hangingPunct="1">
-              <a:defRPr sz="1800" kern="1200">
-                <a:solidFill>
-                  <a:schemeClr val="tx1"/>
-                </a:solidFill>
-                <a:latin typeface="+mn-lt"/>
-                <a:ea typeface="+mn-ea"/>
-                <a:cs typeface="+mn-cs"/>
-              </a:defRPr>
-            </a:lvl2pPr>
-            <a:lvl3pPr marL="914400" algn="l" defTabSz="914400" rtl="0" eaLnBrk="1" latinLnBrk="0" hangingPunct="1">
-              <a:defRPr sz="1800" kern="1200">
-                <a:solidFill>
-                  <a:schemeClr val="tx1"/>
-                </a:solidFill>
-                <a:latin typeface="+mn-lt"/>
-                <a:ea typeface="+mn-ea"/>
-                <a:cs typeface="+mn-cs"/>
-              </a:defRPr>
-            </a:lvl3pPr>
-            <a:lvl4pPr marL="1371600" algn="l" defTabSz="914400" rtl="0" eaLnBrk="1" latinLnBrk="0" hangingPunct="1">
-              <a:defRPr sz="1800" kern="1200">
-                <a:solidFill>
-                  <a:schemeClr val="tx1"/>
-                </a:solidFill>
-                <a:latin typeface="+mn-lt"/>
-                <a:ea typeface="+mn-ea"/>
-                <a:cs typeface="+mn-cs"/>
-              </a:defRPr>
-            </a:lvl4pPr>
-            <a:lvl5pPr marL="1828800" algn="l" defTabSz="914400" rtl="0" eaLnBrk="1" latinLnBrk="0" hangingPunct="1">
-              <a:defRPr sz="1800" kern="1200">
-                <a:solidFill>
-                  <a:schemeClr val="tx1"/>
-                </a:solidFill>
-                <a:latin typeface="+mn-lt"/>
-                <a:ea typeface="+mn-ea"/>
-                <a:cs typeface="+mn-cs"/>
-              </a:defRPr>
-            </a:lvl5pPr>
-            <a:lvl6pPr marL="2286000" algn="l" defTabSz="914400" rtl="0" eaLnBrk="1" latinLnBrk="0" hangingPunct="1">
-              <a:defRPr sz="1800" kern="1200">
-                <a:solidFill>
-                  <a:schemeClr val="tx1"/>
-                </a:solidFill>
-                <a:latin typeface="+mn-lt"/>
-                <a:ea typeface="+mn-ea"/>
-                <a:cs typeface="+mn-cs"/>
-              </a:defRPr>
-            </a:lvl6pPr>
-            <a:lvl7pPr marL="2743200" algn="l" defTabSz="914400" rtl="0" eaLnBrk="1" latinLnBrk="0" hangingPunct="1">
-              <a:defRPr sz="1800" kern="1200">
-                <a:solidFill>
-                  <a:schemeClr val="tx1"/>
-                </a:solidFill>
-                <a:latin typeface="+mn-lt"/>
-                <a:ea typeface="+mn-ea"/>
-                <a:cs typeface="+mn-cs"/>
-              </a:defRPr>
-            </a:lvl7pPr>
-            <a:lvl8pPr marL="3200400" algn="l" defTabSz="914400" rtl="0" eaLnBrk="1" latinLnBrk="0" hangingPunct="1">
-              <a:defRPr sz="1800" kern="1200">
-                <a:solidFill>
-                  <a:schemeClr val="tx1"/>
-                </a:solidFill>
-                <a:latin typeface="+mn-lt"/>
-                <a:ea typeface="+mn-ea"/>
-                <a:cs typeface="+mn-cs"/>
-              </a:defRPr>
-            </a:lvl8pPr>
-            <a:lvl9pPr marL="3657600" algn="l" defTabSz="914400" rtl="0" eaLnBrk="1" latinLnBrk="0" hangingPunct="1">
-              <a:defRPr sz="1800" kern="1200">
-                <a:solidFill>
-                  <a:schemeClr val="tx1"/>
-                </a:solidFill>
-                <a:latin typeface="+mn-lt"/>
-                <a:ea typeface="+mn-ea"/>
-                <a:cs typeface="+mn-cs"/>
-              </a:defRPr>
-            </a:lvl9pPr>
-          </a:lstStyle>
-          <a:p>
-            <a:pPr algn="r"/>
-            <a:r>
-              <a:rPr lang="en-US" sz="1400" dirty="0">
-                <a:solidFill>
-                  <a:srgbClr val="0070C0"/>
-                </a:solidFill>
-              </a:rPr>
-              <a:t>execute(“export”)</a:t>
-            </a:r>
-          </a:p>
-        </p:txBody>
-      </p:sp>
-      <p:cxnSp>
-        <p:nvCxnSpPr>
-          <p:cNvPr id="54" name="Straight Arrow Connector 53"/>
-          <p:cNvCxnSpPr/>
-          <p:nvPr/>
-        </p:nvCxnSpPr>
-        <p:spPr>
-          <a:xfrm flipV="1">
-            <a:off x="4247542" y="2480492"/>
-            <a:ext cx="922392" cy="1"/>
           </a:xfrm>
           <a:prstGeom prst="straightConnector1">
             <a:avLst/>
@@ -4302,14 +4189,20 @@
       </p:cxnSp>
       <p:sp>
         <p:nvSpPr>
-          <p:cNvPr id="55" name="TextBox 28"/>
+          <p:cNvPr id="14" name="TextBox 25">
+            <a:extLst>
+              <a:ext uri="{FF2B5EF4-FFF2-40B4-BE49-F238E27FC236}">
+                <a16:creationId xmlns:a16="http://schemas.microsoft.com/office/drawing/2014/main" id="{DE5E52B3-A3DB-42BC-BAC2-9F5867A32320}"/>
+              </a:ext>
+            </a:extLst>
+          </p:cNvPr>
           <p:cNvSpPr txBox="1"/>
           <p:nvPr/>
         </p:nvSpPr>
         <p:spPr>
           <a:xfrm>
-            <a:off x="3354991" y="3452223"/>
-            <a:ext cx="1071013" cy="276999"/>
+            <a:off x="166124" y="1830761"/>
+            <a:ext cx="1224136" cy="369332"/>
           </a:xfrm>
           <a:prstGeom prst="rect">
             <a:avLst/>
@@ -4417,22 +4310,231 @@
           </a:lstStyle>
           <a:p>
             <a:r>
-              <a:rPr lang="en-US" dirty="0"/>
-              <a:t>execute()</a:t>
+              <a:rPr lang="en-US" sz="1200" dirty="0">
+                <a:solidFill>
+                  <a:srgbClr val="0070C0"/>
+                </a:solidFill>
+              </a:rPr>
+              <a:t>execute(“export </a:t>
+            </a:r>
+            <a:r>
+              <a:rPr lang="en-US" sz="1200" dirty="0" err="1">
+                <a:solidFill>
+                  <a:srgbClr val="0070C0"/>
+                </a:solidFill>
+              </a:rPr>
+              <a:t>filepath</a:t>
+            </a:r>
+            <a:r>
+              <a:rPr lang="en-US" sz="1200" dirty="0">
+                <a:solidFill>
+                  <a:srgbClr val="0070C0"/>
+                </a:solidFill>
+              </a:rPr>
+              <a:t>”)</a:t>
             </a:r>
           </a:p>
         </p:txBody>
       </p:sp>
       <p:cxnSp>
         <p:nvCxnSpPr>
-          <p:cNvPr id="56" name="Straight Arrow Connector 55"/>
+          <p:cNvPr id="15" name="Straight Arrow Connector 14">
+            <a:extLst>
+              <a:ext uri="{FF2B5EF4-FFF2-40B4-BE49-F238E27FC236}">
+                <a16:creationId xmlns:a16="http://schemas.microsoft.com/office/drawing/2014/main" id="{831CBF1C-28D8-40C8-B781-9527D5A37292}"/>
+              </a:ext>
+            </a:extLst>
+          </p:cNvPr>
+          <p:cNvCxnSpPr/>
+          <p:nvPr/>
+        </p:nvCxnSpPr>
+        <p:spPr>
+          <a:xfrm flipV="1">
+            <a:off x="3312008" y="2420888"/>
+            <a:ext cx="1332000" cy="1"/>
+          </a:xfrm>
+          <a:prstGeom prst="straightConnector1">
+            <a:avLst/>
+          </a:prstGeom>
+          <a:ln w="19050">
+            <a:solidFill>
+              <a:srgbClr val="0070C0"/>
+            </a:solidFill>
+            <a:tailEnd type="arrow"/>
+          </a:ln>
+        </p:spPr>
+        <p:style>
+          <a:lnRef idx="1">
+            <a:schemeClr val="accent1"/>
+          </a:lnRef>
+          <a:fillRef idx="0">
+            <a:schemeClr val="accent1"/>
+          </a:fillRef>
+          <a:effectRef idx="0">
+            <a:schemeClr val="accent1"/>
+          </a:effectRef>
+          <a:fontRef idx="minor">
+            <a:schemeClr val="tx1"/>
+          </a:fontRef>
+        </p:style>
+      </p:cxnSp>
+      <p:sp>
+        <p:nvSpPr>
+          <p:cNvPr id="16" name="TextBox 28">
+            <a:extLst>
+              <a:ext uri="{FF2B5EF4-FFF2-40B4-BE49-F238E27FC236}">
+                <a16:creationId xmlns:a16="http://schemas.microsoft.com/office/drawing/2014/main" id="{5022EB66-1947-475A-9F1D-8C525AC30F47}"/>
+              </a:ext>
+            </a:extLst>
+          </p:cNvPr>
+          <p:cNvSpPr txBox="1"/>
+          <p:nvPr/>
+        </p:nvSpPr>
+        <p:spPr>
+          <a:xfrm>
+            <a:off x="3923928" y="4293096"/>
+            <a:ext cx="936104" cy="246221"/>
+          </a:xfrm>
+          <a:prstGeom prst="rect">
+            <a:avLst/>
+          </a:prstGeom>
+          <a:noFill/>
+        </p:spPr>
+        <p:txBody>
+          <a:bodyPr wrap="square" lIns="0" tIns="0" rIns="0" bIns="0" rtlCol="0">
+            <a:spAutoFit/>
+          </a:bodyPr>
+          <a:lstStyle>
+            <a:defPPr>
+              <a:defRPr lang="en-US"/>
+            </a:defPPr>
+            <a:lvl1pPr marL="0" algn="l" defTabSz="914400" rtl="0" eaLnBrk="1" latinLnBrk="0" hangingPunct="1">
+              <a:defRPr sz="1800" kern="1200">
+                <a:solidFill>
+                  <a:schemeClr val="tx1"/>
+                </a:solidFill>
+                <a:latin typeface="+mn-lt"/>
+                <a:ea typeface="+mn-ea"/>
+                <a:cs typeface="+mn-cs"/>
+              </a:defRPr>
+            </a:lvl1pPr>
+            <a:lvl2pPr marL="457200" algn="l" defTabSz="914400" rtl="0" eaLnBrk="1" latinLnBrk="0" hangingPunct="1">
+              <a:defRPr sz="1800" kern="1200">
+                <a:solidFill>
+                  <a:schemeClr val="tx1"/>
+                </a:solidFill>
+                <a:latin typeface="+mn-lt"/>
+                <a:ea typeface="+mn-ea"/>
+                <a:cs typeface="+mn-cs"/>
+              </a:defRPr>
+            </a:lvl2pPr>
+            <a:lvl3pPr marL="914400" algn="l" defTabSz="914400" rtl="0" eaLnBrk="1" latinLnBrk="0" hangingPunct="1">
+              <a:defRPr sz="1800" kern="1200">
+                <a:solidFill>
+                  <a:schemeClr val="tx1"/>
+                </a:solidFill>
+                <a:latin typeface="+mn-lt"/>
+                <a:ea typeface="+mn-ea"/>
+                <a:cs typeface="+mn-cs"/>
+              </a:defRPr>
+            </a:lvl3pPr>
+            <a:lvl4pPr marL="1371600" algn="l" defTabSz="914400" rtl="0" eaLnBrk="1" latinLnBrk="0" hangingPunct="1">
+              <a:defRPr sz="1800" kern="1200">
+                <a:solidFill>
+                  <a:schemeClr val="tx1"/>
+                </a:solidFill>
+                <a:latin typeface="+mn-lt"/>
+                <a:ea typeface="+mn-ea"/>
+                <a:cs typeface="+mn-cs"/>
+              </a:defRPr>
+            </a:lvl4pPr>
+            <a:lvl5pPr marL="1828800" algn="l" defTabSz="914400" rtl="0" eaLnBrk="1" latinLnBrk="0" hangingPunct="1">
+              <a:defRPr sz="1800" kern="1200">
+                <a:solidFill>
+                  <a:schemeClr val="tx1"/>
+                </a:solidFill>
+                <a:latin typeface="+mn-lt"/>
+                <a:ea typeface="+mn-ea"/>
+                <a:cs typeface="+mn-cs"/>
+              </a:defRPr>
+            </a:lvl5pPr>
+            <a:lvl6pPr marL="2286000" algn="l" defTabSz="914400" rtl="0" eaLnBrk="1" latinLnBrk="0" hangingPunct="1">
+              <a:defRPr sz="1800" kern="1200">
+                <a:solidFill>
+                  <a:schemeClr val="tx1"/>
+                </a:solidFill>
+                <a:latin typeface="+mn-lt"/>
+                <a:ea typeface="+mn-ea"/>
+                <a:cs typeface="+mn-cs"/>
+              </a:defRPr>
+            </a:lvl6pPr>
+            <a:lvl7pPr marL="2743200" algn="l" defTabSz="914400" rtl="0" eaLnBrk="1" latinLnBrk="0" hangingPunct="1">
+              <a:defRPr sz="1800" kern="1200">
+                <a:solidFill>
+                  <a:schemeClr val="tx1"/>
+                </a:solidFill>
+                <a:latin typeface="+mn-lt"/>
+                <a:ea typeface="+mn-ea"/>
+                <a:cs typeface="+mn-cs"/>
+              </a:defRPr>
+            </a:lvl7pPr>
+            <a:lvl8pPr marL="3200400" algn="l" defTabSz="914400" rtl="0" eaLnBrk="1" latinLnBrk="0" hangingPunct="1">
+              <a:defRPr sz="1800" kern="1200">
+                <a:solidFill>
+                  <a:schemeClr val="tx1"/>
+                </a:solidFill>
+                <a:latin typeface="+mn-lt"/>
+                <a:ea typeface="+mn-ea"/>
+                <a:cs typeface="+mn-cs"/>
+              </a:defRPr>
+            </a:lvl8pPr>
+            <a:lvl9pPr marL="3657600" algn="l" defTabSz="914400" rtl="0" eaLnBrk="1" latinLnBrk="0" hangingPunct="1">
+              <a:defRPr sz="1800" kern="1200">
+                <a:solidFill>
+                  <a:schemeClr val="tx1"/>
+                </a:solidFill>
+                <a:latin typeface="+mn-lt"/>
+                <a:ea typeface="+mn-ea"/>
+                <a:cs typeface="+mn-cs"/>
+              </a:defRPr>
+            </a:lvl9pPr>
+          </a:lstStyle>
+          <a:p>
+            <a:r>
+              <a:rPr lang="en-SG" sz="1600" dirty="0">
+                <a:solidFill>
+                  <a:srgbClr val="0070C0"/>
+                </a:solidFill>
+              </a:rPr>
+              <a:t>execute </a:t>
+            </a:r>
+            <a:r>
+              <a:rPr lang="en-US" sz="1600" dirty="0">
+                <a:solidFill>
+                  <a:srgbClr val="0070C0"/>
+                </a:solidFill>
+              </a:rPr>
+              <a:t>()</a:t>
+            </a:r>
+          </a:p>
+        </p:txBody>
+      </p:sp>
+      <p:cxnSp>
+        <p:nvCxnSpPr>
+          <p:cNvPr id="17" name="Straight Arrow Connector 16">
+            <a:extLst>
+              <a:ext uri="{FF2B5EF4-FFF2-40B4-BE49-F238E27FC236}">
+                <a16:creationId xmlns:a16="http://schemas.microsoft.com/office/drawing/2014/main" id="{7430879F-4332-4B11-B96E-547CD73B88CF}"/>
+              </a:ext>
+            </a:extLst>
+          </p:cNvPr>
           <p:cNvCxnSpPr/>
           <p:nvPr/>
         </p:nvCxnSpPr>
         <p:spPr>
           <a:xfrm>
-            <a:off x="4220678" y="2846384"/>
-            <a:ext cx="1492974" cy="0"/>
+            <a:off x="3312096" y="3933056"/>
+            <a:ext cx="2124000" cy="0"/>
           </a:xfrm>
           <a:prstGeom prst="straightConnector1">
             <a:avLst/>
@@ -4463,17 +4565,22 @@
       </p:cxnSp>
       <p:cxnSp>
         <p:nvCxnSpPr>
-          <p:cNvPr id="57" name="Straight Arrow Connector 56"/>
+          <p:cNvPr id="18" name="Straight Arrow Connector 17">
+            <a:extLst>
+              <a:ext uri="{FF2B5EF4-FFF2-40B4-BE49-F238E27FC236}">
+                <a16:creationId xmlns:a16="http://schemas.microsoft.com/office/drawing/2014/main" id="{1E575647-80C4-471E-9B95-6CFCB6765419}"/>
+              </a:ext>
+            </a:extLst>
+          </p:cNvPr>
           <p:cNvCxnSpPr>
             <a:cxnSpLocks/>
-            <a:endCxn id="49" idx="2"/>
           </p:cNvCxnSpPr>
           <p:nvPr/>
         </p:nvCxnSpPr>
         <p:spPr>
           <a:xfrm>
-            <a:off x="1652343" y="3101752"/>
-            <a:ext cx="2515011" cy="0"/>
+            <a:off x="1403648" y="4005064"/>
+            <a:ext cx="1746000" cy="0"/>
           </a:xfrm>
           <a:prstGeom prst="straightConnector1">
             <a:avLst/>
@@ -4504,13 +4611,19 @@
       </p:cxnSp>
       <p:cxnSp>
         <p:nvCxnSpPr>
-          <p:cNvPr id="58" name="Straight Arrow Connector 57"/>
+          <p:cNvPr id="19" name="Straight Arrow Connector 18">
+            <a:extLst>
+              <a:ext uri="{FF2B5EF4-FFF2-40B4-BE49-F238E27FC236}">
+                <a16:creationId xmlns:a16="http://schemas.microsoft.com/office/drawing/2014/main" id="{25F0EEFC-D7FA-4D89-A774-FECC19FAE72A}"/>
+              </a:ext>
+            </a:extLst>
+          </p:cNvPr>
           <p:cNvCxnSpPr/>
           <p:nvPr/>
         </p:nvCxnSpPr>
         <p:spPr>
           <a:xfrm>
-            <a:off x="341991" y="5159152"/>
+            <a:off x="125967" y="5690323"/>
             <a:ext cx="1196051" cy="0"/>
           </a:xfrm>
           <a:prstGeom prst="straightConnector1">
@@ -4542,14 +4655,20 @@
       </p:cxnSp>
       <p:sp>
         <p:nvSpPr>
-          <p:cNvPr id="59" name="Rectangle 58"/>
+          <p:cNvPr id="20" name="Rectangle 19">
+            <a:extLst>
+              <a:ext uri="{FF2B5EF4-FFF2-40B4-BE49-F238E27FC236}">
+                <a16:creationId xmlns:a16="http://schemas.microsoft.com/office/drawing/2014/main" id="{6717857F-0CFB-490B-8D8F-836AD49BE8C7}"/>
+              </a:ext>
+            </a:extLst>
+          </p:cNvPr>
           <p:cNvSpPr/>
           <p:nvPr/>
         </p:nvSpPr>
         <p:spPr>
           <a:xfrm>
-            <a:off x="5638058" y="3699465"/>
-            <a:ext cx="161322" cy="1307285"/>
+            <a:off x="6661192" y="4573477"/>
+            <a:ext cx="161322" cy="900000"/>
           </a:xfrm>
           <a:prstGeom prst="rect">
             <a:avLst/>
@@ -4683,14 +4802,20 @@
       </p:sp>
       <p:sp>
         <p:nvSpPr>
-          <p:cNvPr id="61" name="TextBox 78"/>
+          <p:cNvPr id="21" name="TextBox 78">
+            <a:extLst>
+              <a:ext uri="{FF2B5EF4-FFF2-40B4-BE49-F238E27FC236}">
+                <a16:creationId xmlns:a16="http://schemas.microsoft.com/office/drawing/2014/main" id="{CCC46AAD-3050-4487-A5A1-D95EDDD49569}"/>
+              </a:ext>
+            </a:extLst>
+          </p:cNvPr>
           <p:cNvSpPr txBox="1"/>
           <p:nvPr/>
         </p:nvSpPr>
         <p:spPr>
           <a:xfrm>
-            <a:off x="5822151" y="3741593"/>
-            <a:ext cx="2205991" cy="184666"/>
+            <a:off x="6905476" y="4419381"/>
+            <a:ext cx="1656353" cy="492443"/>
           </a:xfrm>
           <a:prstGeom prst="rect">
             <a:avLst/>
@@ -4798,19 +4923,35 @@
           </a:lstStyle>
           <a:p>
             <a:r>
-              <a:rPr lang="en-US" sz="1200" dirty="0" err="1"/>
+              <a:rPr lang="en-US" sz="1600" dirty="0" err="1">
+                <a:solidFill>
+                  <a:srgbClr val="0070C0"/>
+                </a:solidFill>
+              </a:rPr>
               <a:t>exportAddressBook</a:t>
             </a:r>
             <a:r>
-              <a:rPr lang="en-US" sz="1200" dirty="0"/>
+              <a:rPr lang="en-US" sz="1600" dirty="0">
+                <a:solidFill>
+                  <a:srgbClr val="0070C0"/>
+                </a:solidFill>
+              </a:rPr>
               <a:t>(</a:t>
             </a:r>
             <a:r>
-              <a:rPr lang="en-US" sz="1200" dirty="0" err="1"/>
+              <a:rPr lang="en-US" sz="1600" dirty="0" err="1">
+                <a:solidFill>
+                  <a:srgbClr val="0070C0"/>
+                </a:solidFill>
+              </a:rPr>
               <a:t>addressBook</a:t>
             </a:r>
             <a:r>
-              <a:rPr lang="en-US" sz="1200" dirty="0"/>
+              <a:rPr lang="en-US" sz="1600" dirty="0">
+                <a:solidFill>
+                  <a:srgbClr val="0070C0"/>
+                </a:solidFill>
+              </a:rPr>
               <a:t>)</a:t>
             </a:r>
           </a:p>
@@ -4818,14 +4959,20 @@
       </p:sp>
       <p:sp>
         <p:nvSpPr>
-          <p:cNvPr id="62" name="TextBox 79"/>
+          <p:cNvPr id="22" name="TextBox 79">
+            <a:extLst>
+              <a:ext uri="{FF2B5EF4-FFF2-40B4-BE49-F238E27FC236}">
+                <a16:creationId xmlns:a16="http://schemas.microsoft.com/office/drawing/2014/main" id="{12F74EFD-4368-41B8-A77A-8E915ABED00C}"/>
+              </a:ext>
+            </a:extLst>
+          </p:cNvPr>
           <p:cNvSpPr txBox="1"/>
           <p:nvPr/>
         </p:nvSpPr>
         <p:spPr>
           <a:xfrm>
-            <a:off x="1702165" y="2060848"/>
-            <a:ext cx="2431204" cy="276999"/>
+            <a:off x="1713059" y="1948532"/>
+            <a:ext cx="1656184" cy="369332"/>
           </a:xfrm>
           <a:prstGeom prst="rect">
             <a:avLst/>
@@ -4933,26 +5080,58 @@
           </a:lstStyle>
           <a:p>
             <a:r>
-              <a:rPr lang="en-US" dirty="0" err="1"/>
+              <a:rPr lang="en-US" sz="1200" dirty="0">
+                <a:solidFill>
+                  <a:srgbClr val="0070C0"/>
+                </a:solidFill>
+              </a:rPr>
               <a:t>parseCommand</a:t>
             </a:r>
-            <a:r>
-              <a:rPr lang="en-US" dirty="0"/>
-              <a:t>(“export”)</a:t>
-            </a:r>
-          </a:p>
-        </p:txBody>
-      </p:sp>
-      <p:sp>
-        <p:nvSpPr>
-          <p:cNvPr id="63" name="TextBox 81"/>
+          </a:p>
+          <a:p>
+            <a:r>
+              <a:rPr lang="en-US" sz="1200" dirty="0">
+                <a:solidFill>
+                  <a:srgbClr val="0070C0"/>
+                </a:solidFill>
+              </a:rPr>
+              <a:t>(“export </a:t>
+            </a:r>
+            <a:r>
+              <a:rPr lang="en-US" sz="1200" dirty="0" err="1">
+                <a:solidFill>
+                  <a:srgbClr val="0070C0"/>
+                </a:solidFill>
+              </a:rPr>
+              <a:t>filepath</a:t>
+            </a:r>
+            <a:r>
+              <a:rPr lang="en-US" sz="1200" dirty="0">
+                <a:solidFill>
+                  <a:srgbClr val="0070C0"/>
+                </a:solidFill>
+              </a:rPr>
+              <a:t>”)</a:t>
+            </a:r>
+          </a:p>
+        </p:txBody>
+      </p:sp>
+      <p:sp>
+        <p:nvSpPr>
+          <p:cNvPr id="23" name="TextBox 81">
+            <a:extLst>
+              <a:ext uri="{FF2B5EF4-FFF2-40B4-BE49-F238E27FC236}">
+                <a16:creationId xmlns:a16="http://schemas.microsoft.com/office/drawing/2014/main" id="{4935273F-D5E9-474F-A5D4-162F998B2164}"/>
+              </a:ext>
+            </a:extLst>
+          </p:cNvPr>
           <p:cNvSpPr txBox="1"/>
           <p:nvPr/>
         </p:nvSpPr>
         <p:spPr>
           <a:xfrm>
-            <a:off x="3384325" y="4759228"/>
-            <a:ext cx="621216" cy="215444"/>
+            <a:off x="3950784" y="5229200"/>
+            <a:ext cx="621216" cy="246221"/>
           </a:xfrm>
           <a:prstGeom prst="rect">
             <a:avLst/>
@@ -5060,7 +5239,11 @@
           </a:lstStyle>
           <a:p>
             <a:r>
-              <a:rPr lang="en-US" dirty="0"/>
+              <a:rPr lang="en-US" sz="1600" dirty="0">
+                <a:solidFill>
+                  <a:srgbClr val="0070C0"/>
+                </a:solidFill>
+              </a:rPr>
               <a:t>result</a:t>
             </a:r>
           </a:p>
@@ -5068,14 +5251,20 @@
       </p:sp>
       <p:sp>
         <p:nvSpPr>
-          <p:cNvPr id="64" name="TextBox 82"/>
+          <p:cNvPr id="24" name="TextBox 82">
+            <a:extLst>
+              <a:ext uri="{FF2B5EF4-FFF2-40B4-BE49-F238E27FC236}">
+                <a16:creationId xmlns:a16="http://schemas.microsoft.com/office/drawing/2014/main" id="{E9B8152D-439A-4047-8D98-9E0BD717B922}"/>
+              </a:ext>
+            </a:extLst>
+          </p:cNvPr>
           <p:cNvSpPr txBox="1"/>
           <p:nvPr/>
         </p:nvSpPr>
         <p:spPr>
           <a:xfrm>
-            <a:off x="606262" y="4914053"/>
-            <a:ext cx="762000" cy="215444"/>
+            <a:off x="390238" y="5445224"/>
+            <a:ext cx="581362" cy="246221"/>
           </a:xfrm>
           <a:prstGeom prst="rect">
             <a:avLst/>
@@ -5183,7 +5372,11 @@
           </a:lstStyle>
           <a:p>
             <a:r>
-              <a:rPr lang="en-US" dirty="0"/>
+              <a:rPr lang="en-US" sz="1600" dirty="0">
+                <a:solidFill>
+                  <a:srgbClr val="0070C0"/>
+                </a:solidFill>
+              </a:rPr>
               <a:t>result</a:t>
             </a:r>
           </a:p>
@@ -5191,14 +5384,20 @@
       </p:sp>
       <p:sp>
         <p:nvSpPr>
-          <p:cNvPr id="68" name="TextBox 92"/>
+          <p:cNvPr id="25" name="TextBox 92">
+            <a:extLst>
+              <a:ext uri="{FF2B5EF4-FFF2-40B4-BE49-F238E27FC236}">
+                <a16:creationId xmlns:a16="http://schemas.microsoft.com/office/drawing/2014/main" id="{946E7B37-74A1-4979-B2E1-0F373317941E}"/>
+              </a:ext>
+            </a:extLst>
+          </p:cNvPr>
           <p:cNvSpPr txBox="1"/>
           <p:nvPr/>
         </p:nvSpPr>
         <p:spPr>
           <a:xfrm>
-            <a:off x="2685784" y="2873945"/>
-            <a:ext cx="220343" cy="276999"/>
+            <a:off x="2195736" y="3717032"/>
+            <a:ext cx="220343" cy="246221"/>
           </a:xfrm>
           <a:prstGeom prst="rect">
             <a:avLst/>
@@ -5306,7 +5505,11 @@
           </a:lstStyle>
           <a:p>
             <a:r>
-              <a:rPr lang="en-US" dirty="0"/>
+              <a:rPr lang="en-US" sz="1600" dirty="0">
+                <a:solidFill>
+                  <a:srgbClr val="0070C0"/>
+                </a:solidFill>
+              </a:rPr>
               <a:t>e</a:t>
             </a:r>
           </a:p>
@@ -5314,14 +5517,20 @@
       </p:sp>
       <p:sp>
         <p:nvSpPr>
-          <p:cNvPr id="69" name="Rectangle 68"/>
+          <p:cNvPr id="26" name="Rectangle 25">
+            <a:extLst>
+              <a:ext uri="{FF2B5EF4-FFF2-40B4-BE49-F238E27FC236}">
+                <a16:creationId xmlns:a16="http://schemas.microsoft.com/office/drawing/2014/main" id="{EC1126CE-56DE-440C-B622-F15CC4C6632D}"/>
+              </a:ext>
+            </a:extLst>
+          </p:cNvPr>
           <p:cNvSpPr/>
           <p:nvPr/>
         </p:nvSpPr>
         <p:spPr>
           <a:xfrm>
-            <a:off x="7007444" y="3198497"/>
-            <a:ext cx="1778201" cy="432035"/>
+            <a:off x="7416318" y="3893525"/>
+            <a:ext cx="1633414" cy="432035"/>
           </a:xfrm>
           <a:prstGeom prst="rect">
             <a:avLst/>
@@ -5475,7 +5684,13 @@
       </p:sp>
       <p:cxnSp>
         <p:nvCxnSpPr>
-          <p:cNvPr id="70" name="Straight Connector 69"/>
+          <p:cNvPr id="27" name="Straight Connector 26">
+            <a:extLst>
+              <a:ext uri="{FF2B5EF4-FFF2-40B4-BE49-F238E27FC236}">
+                <a16:creationId xmlns:a16="http://schemas.microsoft.com/office/drawing/2014/main" id="{C9FB87F2-A77D-4880-9838-484762E8004F}"/>
+              </a:ext>
+            </a:extLst>
+          </p:cNvPr>
           <p:cNvCxnSpPr>
             <a:cxnSpLocks/>
           </p:cNvCxnSpPr>
@@ -5483,8 +5698,8 @@
         </p:nvCxnSpPr>
         <p:spPr>
           <a:xfrm>
-            <a:off x="7938332" y="3621458"/>
-            <a:ext cx="0" cy="838201"/>
+            <a:off x="8585175" y="4325560"/>
+            <a:ext cx="0" cy="1242774"/>
           </a:xfrm>
           <a:prstGeom prst="line">
             <a:avLst/>
@@ -5514,13 +5729,19 @@
       </p:cxnSp>
       <p:sp>
         <p:nvSpPr>
-          <p:cNvPr id="71" name="Rectangle 70"/>
+          <p:cNvPr id="28" name="Rectangle 27">
+            <a:extLst>
+              <a:ext uri="{FF2B5EF4-FFF2-40B4-BE49-F238E27FC236}">
+                <a16:creationId xmlns:a16="http://schemas.microsoft.com/office/drawing/2014/main" id="{CA3C7CA7-6855-49B3-9818-5C203B6E13A4}"/>
+              </a:ext>
+            </a:extLst>
+          </p:cNvPr>
           <p:cNvSpPr/>
           <p:nvPr/>
         </p:nvSpPr>
         <p:spPr>
           <a:xfrm>
-            <a:off x="7835410" y="3926259"/>
+            <a:off x="8476653" y="4929061"/>
             <a:ext cx="217409" cy="351475"/>
           </a:xfrm>
           <a:prstGeom prst="rect">
@@ -5655,7 +5876,13 @@
       </p:sp>
       <p:cxnSp>
         <p:nvCxnSpPr>
-          <p:cNvPr id="72" name="Straight Arrow Connector 71"/>
+          <p:cNvPr id="29" name="Straight Arrow Connector 28">
+            <a:extLst>
+              <a:ext uri="{FF2B5EF4-FFF2-40B4-BE49-F238E27FC236}">
+                <a16:creationId xmlns:a16="http://schemas.microsoft.com/office/drawing/2014/main" id="{AD5C988E-5BF7-46DC-90EA-45A64E12D92F}"/>
+              </a:ext>
+            </a:extLst>
+          </p:cNvPr>
           <p:cNvCxnSpPr>
             <a:cxnSpLocks/>
           </p:cNvCxnSpPr>
@@ -5663,8 +5890,8 @@
         </p:nvCxnSpPr>
         <p:spPr>
           <a:xfrm>
-            <a:off x="5807947" y="3943496"/>
-            <a:ext cx="2027463" cy="0"/>
+            <a:off x="6815158" y="4911824"/>
+            <a:ext cx="1661495" cy="17237"/>
           </a:xfrm>
           <a:prstGeom prst="straightConnector1">
             <a:avLst/>
@@ -5693,14 +5920,20 @@
       </p:cxnSp>
       <p:sp>
         <p:nvSpPr>
-          <p:cNvPr id="74" name="Rectangle 73"/>
+          <p:cNvPr id="30" name="Rectangle 29">
+            <a:extLst>
+              <a:ext uri="{FF2B5EF4-FFF2-40B4-BE49-F238E27FC236}">
+                <a16:creationId xmlns:a16="http://schemas.microsoft.com/office/drawing/2014/main" id="{C888CD78-F738-4CAC-A8B3-50F48B95132D}"/>
+              </a:ext>
+            </a:extLst>
+          </p:cNvPr>
           <p:cNvSpPr/>
           <p:nvPr/>
         </p:nvSpPr>
         <p:spPr>
           <a:xfrm>
-            <a:off x="5147546" y="2228420"/>
-            <a:ext cx="1093635" cy="461538"/>
+            <a:off x="6135032" y="3212584"/>
+            <a:ext cx="1231216" cy="461538"/>
           </a:xfrm>
           <a:prstGeom prst="rect">
             <a:avLst/>
@@ -5861,10 +6094,10 @@
       </p:sp>
       <p:cxnSp>
         <p:nvCxnSpPr>
-          <p:cNvPr id="75" name="Straight Arrow Connector 74">
+          <p:cNvPr id="31" name="Straight Arrow Connector 30">
             <a:extLst>
               <a:ext uri="{FF2B5EF4-FFF2-40B4-BE49-F238E27FC236}">
-                <a16:creationId xmlns:a16="http://schemas.microsoft.com/office/drawing/2014/main" id="{39916E2E-195A-4DC8-B025-B05FA87E6796}"/>
+                <a16:creationId xmlns:a16="http://schemas.microsoft.com/office/drawing/2014/main" id="{7AD8A27A-EFF6-438C-8AB1-18A314198AB6}"/>
               </a:ext>
             </a:extLst>
           </p:cNvPr>
@@ -5875,8 +6108,8 @@
         </p:nvCxnSpPr>
         <p:spPr>
           <a:xfrm>
-            <a:off x="1652343" y="3699466"/>
-            <a:ext cx="3832164" cy="1"/>
+            <a:off x="1355927" y="4552633"/>
+            <a:ext cx="5300895" cy="7171"/>
           </a:xfrm>
           <a:prstGeom prst="straightConnector1">
             <a:avLst/>
@@ -5905,10 +6138,10 @@
       </p:cxnSp>
       <p:cxnSp>
         <p:nvCxnSpPr>
-          <p:cNvPr id="76" name="Straight Arrow Connector 75">
+          <p:cNvPr id="32" name="Straight Arrow Connector 31">
             <a:extLst>
               <a:ext uri="{FF2B5EF4-FFF2-40B4-BE49-F238E27FC236}">
-                <a16:creationId xmlns:a16="http://schemas.microsoft.com/office/drawing/2014/main" id="{D881596E-177C-4FDC-8E60-CAB90B3D5FAB}"/>
+                <a16:creationId xmlns:a16="http://schemas.microsoft.com/office/drawing/2014/main" id="{BB22C68C-4648-4E95-9C77-66F17CE6AB13}"/>
               </a:ext>
             </a:extLst>
           </p:cNvPr>
@@ -5919,8 +6152,8 @@
         </p:nvCxnSpPr>
         <p:spPr>
           <a:xfrm>
-            <a:off x="1669237" y="2332070"/>
-            <a:ext cx="2420913" cy="0"/>
+            <a:off x="1403648" y="2332070"/>
+            <a:ext cx="1782000" cy="1"/>
           </a:xfrm>
           <a:prstGeom prst="straightConnector1">
             <a:avLst/>
@@ -5949,10 +6182,10 @@
       </p:cxnSp>
       <p:cxnSp>
         <p:nvCxnSpPr>
-          <p:cNvPr id="77" name="Straight Arrow Connector 76">
+          <p:cNvPr id="33" name="Straight Arrow Connector 32">
             <a:extLst>
               <a:ext uri="{FF2B5EF4-FFF2-40B4-BE49-F238E27FC236}">
-                <a16:creationId xmlns:a16="http://schemas.microsoft.com/office/drawing/2014/main" id="{7C9F21BC-13A9-471F-825A-2621FD36355F}"/>
+                <a16:creationId xmlns:a16="http://schemas.microsoft.com/office/drawing/2014/main" id="{46472EB5-AD08-4FAA-AEC2-125A09B1A5C5}"/>
               </a:ext>
             </a:extLst>
           </p:cNvPr>
@@ -5963,8 +6196,8 @@
         </p:nvCxnSpPr>
         <p:spPr>
           <a:xfrm>
-            <a:off x="1652990" y="5004614"/>
-            <a:ext cx="3831517" cy="0"/>
+            <a:off x="1436965" y="5474586"/>
+            <a:ext cx="5219857" cy="0"/>
           </a:xfrm>
           <a:prstGeom prst="straightConnector1">
             <a:avLst/>
@@ -5995,22 +6228,23 @@
       </p:cxnSp>
       <p:cxnSp>
         <p:nvCxnSpPr>
-          <p:cNvPr id="78" name="Straight Arrow Connector 77">
+          <p:cNvPr id="34" name="Straight Arrow Connector 33">
             <a:extLst>
               <a:ext uri="{FF2B5EF4-FFF2-40B4-BE49-F238E27FC236}">
-                <a16:creationId xmlns:a16="http://schemas.microsoft.com/office/drawing/2014/main" id="{854D9FBB-2B36-4DC9-8B58-F7F177A8E586}"/>
+                <a16:creationId xmlns:a16="http://schemas.microsoft.com/office/drawing/2014/main" id="{D4EE6826-303F-45D2-8D17-C8E1E5AA3522}"/>
               </a:ext>
             </a:extLst>
           </p:cNvPr>
           <p:cNvCxnSpPr>
             <a:cxnSpLocks/>
+            <a:endCxn id="28" idx="2"/>
           </p:cNvCxnSpPr>
           <p:nvPr/>
         </p:nvCxnSpPr>
         <p:spPr>
           <a:xfrm>
-            <a:off x="5842854" y="4270163"/>
-            <a:ext cx="1992556" cy="0"/>
+            <a:off x="6822514" y="5280536"/>
+            <a:ext cx="1762844" cy="0"/>
           </a:xfrm>
           <a:prstGeom prst="straightConnector1">
             <a:avLst/>
@@ -6039,7 +6273,843 @@
           </a:fontRef>
         </p:style>
       </p:cxnSp>
+      <p:sp>
+        <p:nvSpPr>
+          <p:cNvPr id="35" name="Rectangle 34">
+            <a:extLst>
+              <a:ext uri="{FF2B5EF4-FFF2-40B4-BE49-F238E27FC236}">
+                <a16:creationId xmlns:a16="http://schemas.microsoft.com/office/drawing/2014/main" id="{D021E4EE-35F7-4702-A755-BC94D2484171}"/>
+              </a:ext>
+            </a:extLst>
+          </p:cNvPr>
+          <p:cNvSpPr/>
+          <p:nvPr/>
+        </p:nvSpPr>
+        <p:spPr>
+          <a:xfrm>
+            <a:off x="4636916" y="2204864"/>
+            <a:ext cx="2239340" cy="467684"/>
+          </a:xfrm>
+          <a:prstGeom prst="rect">
+            <a:avLst/>
+          </a:prstGeom>
+          <a:solidFill>
+            <a:srgbClr val="0070C0"/>
+          </a:solidFill>
+          <a:ln w="19050">
+            <a:solidFill>
+              <a:srgbClr val="0070C0"/>
+            </a:solidFill>
+          </a:ln>
+          <a:effectLst/>
+        </p:spPr>
+        <p:style>
+          <a:lnRef idx="1">
+            <a:schemeClr val="accent2"/>
+          </a:lnRef>
+          <a:fillRef idx="2">
+            <a:schemeClr val="accent2"/>
+          </a:fillRef>
+          <a:effectRef idx="1">
+            <a:schemeClr val="accent2"/>
+          </a:effectRef>
+          <a:fontRef idx="minor">
+            <a:schemeClr val="dk1"/>
+          </a:fontRef>
+        </p:style>
+        <p:txBody>
+          <a:bodyPr rtlCol="0" anchor="ctr"/>
+          <a:lstStyle>
+            <a:defPPr>
+              <a:defRPr lang="en-US"/>
+            </a:defPPr>
+            <a:lvl1pPr marL="0" algn="l" defTabSz="914400" rtl="0" eaLnBrk="1" latinLnBrk="0" hangingPunct="1">
+              <a:defRPr sz="1800" kern="1200">
+                <a:solidFill>
+                  <a:schemeClr val="dk1"/>
+                </a:solidFill>
+                <a:latin typeface="+mn-lt"/>
+                <a:ea typeface="+mn-ea"/>
+                <a:cs typeface="+mn-cs"/>
+              </a:defRPr>
+            </a:lvl1pPr>
+            <a:lvl2pPr marL="457200" algn="l" defTabSz="914400" rtl="0" eaLnBrk="1" latinLnBrk="0" hangingPunct="1">
+              <a:defRPr sz="1800" kern="1200">
+                <a:solidFill>
+                  <a:schemeClr val="dk1"/>
+                </a:solidFill>
+                <a:latin typeface="+mn-lt"/>
+                <a:ea typeface="+mn-ea"/>
+                <a:cs typeface="+mn-cs"/>
+              </a:defRPr>
+            </a:lvl2pPr>
+            <a:lvl3pPr marL="914400" algn="l" defTabSz="914400" rtl="0" eaLnBrk="1" latinLnBrk="0" hangingPunct="1">
+              <a:defRPr sz="1800" kern="1200">
+                <a:solidFill>
+                  <a:schemeClr val="dk1"/>
+                </a:solidFill>
+                <a:latin typeface="+mn-lt"/>
+                <a:ea typeface="+mn-ea"/>
+                <a:cs typeface="+mn-cs"/>
+              </a:defRPr>
+            </a:lvl3pPr>
+            <a:lvl4pPr marL="1371600" algn="l" defTabSz="914400" rtl="0" eaLnBrk="1" latinLnBrk="0" hangingPunct="1">
+              <a:defRPr sz="1800" kern="1200">
+                <a:solidFill>
+                  <a:schemeClr val="dk1"/>
+                </a:solidFill>
+                <a:latin typeface="+mn-lt"/>
+                <a:ea typeface="+mn-ea"/>
+                <a:cs typeface="+mn-cs"/>
+              </a:defRPr>
+            </a:lvl4pPr>
+            <a:lvl5pPr marL="1828800" algn="l" defTabSz="914400" rtl="0" eaLnBrk="1" latinLnBrk="0" hangingPunct="1">
+              <a:defRPr sz="1800" kern="1200">
+                <a:solidFill>
+                  <a:schemeClr val="dk1"/>
+                </a:solidFill>
+                <a:latin typeface="+mn-lt"/>
+                <a:ea typeface="+mn-ea"/>
+                <a:cs typeface="+mn-cs"/>
+              </a:defRPr>
+            </a:lvl5pPr>
+            <a:lvl6pPr marL="2286000" algn="l" defTabSz="914400" rtl="0" eaLnBrk="1" latinLnBrk="0" hangingPunct="1">
+              <a:defRPr sz="1800" kern="1200">
+                <a:solidFill>
+                  <a:schemeClr val="dk1"/>
+                </a:solidFill>
+                <a:latin typeface="+mn-lt"/>
+                <a:ea typeface="+mn-ea"/>
+                <a:cs typeface="+mn-cs"/>
+              </a:defRPr>
+            </a:lvl6pPr>
+            <a:lvl7pPr marL="2743200" algn="l" defTabSz="914400" rtl="0" eaLnBrk="1" latinLnBrk="0" hangingPunct="1">
+              <a:defRPr sz="1800" kern="1200">
+                <a:solidFill>
+                  <a:schemeClr val="dk1"/>
+                </a:solidFill>
+                <a:latin typeface="+mn-lt"/>
+                <a:ea typeface="+mn-ea"/>
+                <a:cs typeface="+mn-cs"/>
+              </a:defRPr>
+            </a:lvl7pPr>
+            <a:lvl8pPr marL="3200400" algn="l" defTabSz="914400" rtl="0" eaLnBrk="1" latinLnBrk="0" hangingPunct="1">
+              <a:defRPr sz="1800" kern="1200">
+                <a:solidFill>
+                  <a:schemeClr val="dk1"/>
+                </a:solidFill>
+                <a:latin typeface="+mn-lt"/>
+                <a:ea typeface="+mn-ea"/>
+                <a:cs typeface="+mn-cs"/>
+              </a:defRPr>
+            </a:lvl8pPr>
+            <a:lvl9pPr marL="3657600" algn="l" defTabSz="914400" rtl="0" eaLnBrk="1" latinLnBrk="0" hangingPunct="1">
+              <a:defRPr sz="1800" kern="1200">
+                <a:solidFill>
+                  <a:schemeClr val="dk1"/>
+                </a:solidFill>
+                <a:latin typeface="+mn-lt"/>
+                <a:ea typeface="+mn-ea"/>
+                <a:cs typeface="+mn-cs"/>
+              </a:defRPr>
+            </a:lvl9pPr>
+          </a:lstStyle>
+          <a:p>
+            <a:pPr algn="ctr"/>
+            <a:r>
+              <a:rPr lang="en-US" sz="1600" dirty="0">
+                <a:solidFill>
+                  <a:schemeClr val="bg1"/>
+                </a:solidFill>
+              </a:rPr>
+              <a:t>:</a:t>
+            </a:r>
+            <a:r>
+              <a:rPr lang="en-US" sz="1600" dirty="0" err="1">
+                <a:solidFill>
+                  <a:schemeClr val="bg1"/>
+                </a:solidFill>
+              </a:rPr>
+              <a:t>ExportCommandParser</a:t>
+            </a:r>
+            <a:endParaRPr lang="en-SG" sz="1600" dirty="0">
+              <a:solidFill>
+                <a:schemeClr val="bg1"/>
+              </a:solidFill>
+            </a:endParaRPr>
+          </a:p>
+        </p:txBody>
+      </p:sp>
+      <p:sp>
+        <p:nvSpPr>
+          <p:cNvPr id="36" name="Rectangle 35">
+            <a:extLst>
+              <a:ext uri="{FF2B5EF4-FFF2-40B4-BE49-F238E27FC236}">
+                <a16:creationId xmlns:a16="http://schemas.microsoft.com/office/drawing/2014/main" id="{64740769-C92A-4376-9402-B0E650565094}"/>
+              </a:ext>
+            </a:extLst>
+          </p:cNvPr>
+          <p:cNvSpPr/>
+          <p:nvPr/>
+        </p:nvSpPr>
+        <p:spPr>
+          <a:xfrm>
+            <a:off x="5436096" y="3411064"/>
+            <a:ext cx="152400" cy="522000"/>
+          </a:xfrm>
+          <a:prstGeom prst="rect">
+            <a:avLst/>
+          </a:prstGeom>
+          <a:solidFill>
+            <a:srgbClr val="0070C0"/>
+          </a:solidFill>
+          <a:ln>
+            <a:solidFill>
+              <a:srgbClr val="0070C0"/>
+            </a:solidFill>
+          </a:ln>
+          <a:effectLst/>
+        </p:spPr>
+        <p:style>
+          <a:lnRef idx="1">
+            <a:schemeClr val="accent3"/>
+          </a:lnRef>
+          <a:fillRef idx="2">
+            <a:schemeClr val="accent3"/>
+          </a:fillRef>
+          <a:effectRef idx="1">
+            <a:schemeClr val="accent3"/>
+          </a:effectRef>
+          <a:fontRef idx="minor">
+            <a:schemeClr val="dk1"/>
+          </a:fontRef>
+        </p:style>
+        <p:txBody>
+          <a:bodyPr rtlCol="0" anchor="ctr"/>
+          <a:lstStyle>
+            <a:defPPr>
+              <a:defRPr lang="en-US"/>
+            </a:defPPr>
+            <a:lvl1pPr marL="0" algn="l" defTabSz="914400" rtl="0" eaLnBrk="1" latinLnBrk="0" hangingPunct="1">
+              <a:defRPr sz="1800" kern="1200">
+                <a:solidFill>
+                  <a:schemeClr val="dk1"/>
+                </a:solidFill>
+                <a:latin typeface="+mn-lt"/>
+                <a:ea typeface="+mn-ea"/>
+                <a:cs typeface="+mn-cs"/>
+              </a:defRPr>
+            </a:lvl1pPr>
+            <a:lvl2pPr marL="457200" algn="l" defTabSz="914400" rtl="0" eaLnBrk="1" latinLnBrk="0" hangingPunct="1">
+              <a:defRPr sz="1800" kern="1200">
+                <a:solidFill>
+                  <a:schemeClr val="dk1"/>
+                </a:solidFill>
+                <a:latin typeface="+mn-lt"/>
+                <a:ea typeface="+mn-ea"/>
+                <a:cs typeface="+mn-cs"/>
+              </a:defRPr>
+            </a:lvl2pPr>
+            <a:lvl3pPr marL="914400" algn="l" defTabSz="914400" rtl="0" eaLnBrk="1" latinLnBrk="0" hangingPunct="1">
+              <a:defRPr sz="1800" kern="1200">
+                <a:solidFill>
+                  <a:schemeClr val="dk1"/>
+                </a:solidFill>
+                <a:latin typeface="+mn-lt"/>
+                <a:ea typeface="+mn-ea"/>
+                <a:cs typeface="+mn-cs"/>
+              </a:defRPr>
+            </a:lvl3pPr>
+            <a:lvl4pPr marL="1371600" algn="l" defTabSz="914400" rtl="0" eaLnBrk="1" latinLnBrk="0" hangingPunct="1">
+              <a:defRPr sz="1800" kern="1200">
+                <a:solidFill>
+                  <a:schemeClr val="dk1"/>
+                </a:solidFill>
+                <a:latin typeface="+mn-lt"/>
+                <a:ea typeface="+mn-ea"/>
+                <a:cs typeface="+mn-cs"/>
+              </a:defRPr>
+            </a:lvl4pPr>
+            <a:lvl5pPr marL="1828800" algn="l" defTabSz="914400" rtl="0" eaLnBrk="1" latinLnBrk="0" hangingPunct="1">
+              <a:defRPr sz="1800" kern="1200">
+                <a:solidFill>
+                  <a:schemeClr val="dk1"/>
+                </a:solidFill>
+                <a:latin typeface="+mn-lt"/>
+                <a:ea typeface="+mn-ea"/>
+                <a:cs typeface="+mn-cs"/>
+              </a:defRPr>
+            </a:lvl5pPr>
+            <a:lvl6pPr marL="2286000" algn="l" defTabSz="914400" rtl="0" eaLnBrk="1" latinLnBrk="0" hangingPunct="1">
+              <a:defRPr sz="1800" kern="1200">
+                <a:solidFill>
+                  <a:schemeClr val="dk1"/>
+                </a:solidFill>
+                <a:latin typeface="+mn-lt"/>
+                <a:ea typeface="+mn-ea"/>
+                <a:cs typeface="+mn-cs"/>
+              </a:defRPr>
+            </a:lvl6pPr>
+            <a:lvl7pPr marL="2743200" algn="l" defTabSz="914400" rtl="0" eaLnBrk="1" latinLnBrk="0" hangingPunct="1">
+              <a:defRPr sz="1800" kern="1200">
+                <a:solidFill>
+                  <a:schemeClr val="dk1"/>
+                </a:solidFill>
+                <a:latin typeface="+mn-lt"/>
+                <a:ea typeface="+mn-ea"/>
+                <a:cs typeface="+mn-cs"/>
+              </a:defRPr>
+            </a:lvl7pPr>
+            <a:lvl8pPr marL="3200400" algn="l" defTabSz="914400" rtl="0" eaLnBrk="1" latinLnBrk="0" hangingPunct="1">
+              <a:defRPr sz="1800" kern="1200">
+                <a:solidFill>
+                  <a:schemeClr val="dk1"/>
+                </a:solidFill>
+                <a:latin typeface="+mn-lt"/>
+                <a:ea typeface="+mn-ea"/>
+                <a:cs typeface="+mn-cs"/>
+              </a:defRPr>
+            </a:lvl8pPr>
+            <a:lvl9pPr marL="3657600" algn="l" defTabSz="914400" rtl="0" eaLnBrk="1" latinLnBrk="0" hangingPunct="1">
+              <a:defRPr sz="1800" kern="1200">
+                <a:solidFill>
+                  <a:schemeClr val="dk1"/>
+                </a:solidFill>
+                <a:latin typeface="+mn-lt"/>
+                <a:ea typeface="+mn-ea"/>
+                <a:cs typeface="+mn-cs"/>
+              </a:defRPr>
+            </a:lvl9pPr>
+          </a:lstStyle>
+          <a:p>
+            <a:pPr algn="ctr"/>
+            <a:endParaRPr lang="en-SG" sz="1400"/>
+          </a:p>
+        </p:txBody>
+      </p:sp>
+      <p:sp>
+        <p:nvSpPr>
+          <p:cNvPr id="37" name="TextBox 79">
+            <a:extLst>
+              <a:ext uri="{FF2B5EF4-FFF2-40B4-BE49-F238E27FC236}">
+                <a16:creationId xmlns:a16="http://schemas.microsoft.com/office/drawing/2014/main" id="{4FA989C8-CE25-4CE2-BB23-174F83DC4561}"/>
+              </a:ext>
+            </a:extLst>
+          </p:cNvPr>
+          <p:cNvSpPr txBox="1"/>
+          <p:nvPr/>
+        </p:nvSpPr>
+        <p:spPr>
+          <a:xfrm>
+            <a:off x="3599892" y="2827944"/>
+            <a:ext cx="1944216" cy="184666"/>
+          </a:xfrm>
+          <a:prstGeom prst="rect">
+            <a:avLst/>
+          </a:prstGeom>
+          <a:noFill/>
+        </p:spPr>
+        <p:txBody>
+          <a:bodyPr wrap="square" lIns="0" tIns="0" rIns="0" bIns="0" rtlCol="0">
+            <a:spAutoFit/>
+          </a:bodyPr>
+          <a:lstStyle>
+            <a:defPPr>
+              <a:defRPr lang="en-US"/>
+            </a:defPPr>
+            <a:lvl1pPr marL="0" algn="l" defTabSz="914400" rtl="0" eaLnBrk="1" latinLnBrk="0" hangingPunct="1">
+              <a:defRPr sz="1800" kern="1200">
+                <a:solidFill>
+                  <a:schemeClr val="tx1"/>
+                </a:solidFill>
+                <a:latin typeface="+mn-lt"/>
+                <a:ea typeface="+mn-ea"/>
+                <a:cs typeface="+mn-cs"/>
+              </a:defRPr>
+            </a:lvl1pPr>
+            <a:lvl2pPr marL="457200" algn="l" defTabSz="914400" rtl="0" eaLnBrk="1" latinLnBrk="0" hangingPunct="1">
+              <a:defRPr sz="1800" kern="1200">
+                <a:solidFill>
+                  <a:schemeClr val="tx1"/>
+                </a:solidFill>
+                <a:latin typeface="+mn-lt"/>
+                <a:ea typeface="+mn-ea"/>
+                <a:cs typeface="+mn-cs"/>
+              </a:defRPr>
+            </a:lvl2pPr>
+            <a:lvl3pPr marL="914400" algn="l" defTabSz="914400" rtl="0" eaLnBrk="1" latinLnBrk="0" hangingPunct="1">
+              <a:defRPr sz="1800" kern="1200">
+                <a:solidFill>
+                  <a:schemeClr val="tx1"/>
+                </a:solidFill>
+                <a:latin typeface="+mn-lt"/>
+                <a:ea typeface="+mn-ea"/>
+                <a:cs typeface="+mn-cs"/>
+              </a:defRPr>
+            </a:lvl3pPr>
+            <a:lvl4pPr marL="1371600" algn="l" defTabSz="914400" rtl="0" eaLnBrk="1" latinLnBrk="0" hangingPunct="1">
+              <a:defRPr sz="1800" kern="1200">
+                <a:solidFill>
+                  <a:schemeClr val="tx1"/>
+                </a:solidFill>
+                <a:latin typeface="+mn-lt"/>
+                <a:ea typeface="+mn-ea"/>
+                <a:cs typeface="+mn-cs"/>
+              </a:defRPr>
+            </a:lvl4pPr>
+            <a:lvl5pPr marL="1828800" algn="l" defTabSz="914400" rtl="0" eaLnBrk="1" latinLnBrk="0" hangingPunct="1">
+              <a:defRPr sz="1800" kern="1200">
+                <a:solidFill>
+                  <a:schemeClr val="tx1"/>
+                </a:solidFill>
+                <a:latin typeface="+mn-lt"/>
+                <a:ea typeface="+mn-ea"/>
+                <a:cs typeface="+mn-cs"/>
+              </a:defRPr>
+            </a:lvl5pPr>
+            <a:lvl6pPr marL="2286000" algn="l" defTabSz="914400" rtl="0" eaLnBrk="1" latinLnBrk="0" hangingPunct="1">
+              <a:defRPr sz="1800" kern="1200">
+                <a:solidFill>
+                  <a:schemeClr val="tx1"/>
+                </a:solidFill>
+                <a:latin typeface="+mn-lt"/>
+                <a:ea typeface="+mn-ea"/>
+                <a:cs typeface="+mn-cs"/>
+              </a:defRPr>
+            </a:lvl6pPr>
+            <a:lvl7pPr marL="2743200" algn="l" defTabSz="914400" rtl="0" eaLnBrk="1" latinLnBrk="0" hangingPunct="1">
+              <a:defRPr sz="1800" kern="1200">
+                <a:solidFill>
+                  <a:schemeClr val="tx1"/>
+                </a:solidFill>
+                <a:latin typeface="+mn-lt"/>
+                <a:ea typeface="+mn-ea"/>
+                <a:cs typeface="+mn-cs"/>
+              </a:defRPr>
+            </a:lvl7pPr>
+            <a:lvl8pPr marL="3200400" algn="l" defTabSz="914400" rtl="0" eaLnBrk="1" latinLnBrk="0" hangingPunct="1">
+              <a:defRPr sz="1800" kern="1200">
+                <a:solidFill>
+                  <a:schemeClr val="tx1"/>
+                </a:solidFill>
+                <a:latin typeface="+mn-lt"/>
+                <a:ea typeface="+mn-ea"/>
+                <a:cs typeface="+mn-cs"/>
+              </a:defRPr>
+            </a:lvl8pPr>
+            <a:lvl9pPr marL="3657600" algn="l" defTabSz="914400" rtl="0" eaLnBrk="1" latinLnBrk="0" hangingPunct="1">
+              <a:defRPr sz="1800" kern="1200">
+                <a:solidFill>
+                  <a:schemeClr val="tx1"/>
+                </a:solidFill>
+                <a:latin typeface="+mn-lt"/>
+                <a:ea typeface="+mn-ea"/>
+                <a:cs typeface="+mn-cs"/>
+              </a:defRPr>
+            </a:lvl9pPr>
+          </a:lstStyle>
+          <a:p>
+            <a:r>
+              <a:rPr lang="en-US" sz="1200" dirty="0">
+                <a:solidFill>
+                  <a:srgbClr val="0070C0"/>
+                </a:solidFill>
+              </a:rPr>
+              <a:t>parse(“</a:t>
+            </a:r>
+            <a:r>
+              <a:rPr lang="en-US" sz="1200" dirty="0" err="1">
+                <a:solidFill>
+                  <a:srgbClr val="0070C0"/>
+                </a:solidFill>
+              </a:rPr>
+              <a:t>filepath</a:t>
+            </a:r>
+            <a:r>
+              <a:rPr lang="en-US" sz="1200" dirty="0">
+                <a:solidFill>
+                  <a:srgbClr val="0070C0"/>
+                </a:solidFill>
+              </a:rPr>
+              <a:t>”)</a:t>
+            </a:r>
+          </a:p>
+        </p:txBody>
+      </p:sp>
+      <p:cxnSp>
+        <p:nvCxnSpPr>
+          <p:cNvPr id="38" name="Straight Arrow Connector 37">
+            <a:extLst>
+              <a:ext uri="{FF2B5EF4-FFF2-40B4-BE49-F238E27FC236}">
+                <a16:creationId xmlns:a16="http://schemas.microsoft.com/office/drawing/2014/main" id="{83278CEA-BBA9-4428-88A4-C22D06A82F21}"/>
+              </a:ext>
+            </a:extLst>
+          </p:cNvPr>
+          <p:cNvCxnSpPr>
+            <a:cxnSpLocks/>
+          </p:cNvCxnSpPr>
+          <p:nvPr/>
+        </p:nvCxnSpPr>
+        <p:spPr>
+          <a:xfrm flipV="1">
+            <a:off x="5597952" y="3501008"/>
+            <a:ext cx="558224" cy="1"/>
+          </a:xfrm>
+          <a:prstGeom prst="straightConnector1">
+            <a:avLst/>
+          </a:prstGeom>
+          <a:ln w="19050">
+            <a:solidFill>
+              <a:srgbClr val="0070C0"/>
+            </a:solidFill>
+            <a:tailEnd type="arrow"/>
+          </a:ln>
+        </p:spPr>
+        <p:style>
+          <a:lnRef idx="1">
+            <a:schemeClr val="accent1"/>
+          </a:lnRef>
+          <a:fillRef idx="0">
+            <a:schemeClr val="accent1"/>
+          </a:fillRef>
+          <a:effectRef idx="0">
+            <a:schemeClr val="accent1"/>
+          </a:effectRef>
+          <a:fontRef idx="minor">
+            <a:schemeClr val="tx1"/>
+          </a:fontRef>
+        </p:style>
+      </p:cxnSp>
+      <p:cxnSp>
+        <p:nvCxnSpPr>
+          <p:cNvPr id="39" name="Straight Connector 38">
+            <a:extLst>
+              <a:ext uri="{FF2B5EF4-FFF2-40B4-BE49-F238E27FC236}">
+                <a16:creationId xmlns:a16="http://schemas.microsoft.com/office/drawing/2014/main" id="{F048B006-8C77-4F07-88C3-E8EF3E786460}"/>
+              </a:ext>
+            </a:extLst>
+          </p:cNvPr>
+          <p:cNvCxnSpPr>
+            <a:cxnSpLocks/>
+          </p:cNvCxnSpPr>
+          <p:nvPr/>
+        </p:nvCxnSpPr>
+        <p:spPr>
+          <a:xfrm>
+            <a:off x="5508104" y="2636912"/>
+            <a:ext cx="0" cy="1440000"/>
+          </a:xfrm>
+          <a:prstGeom prst="line">
+            <a:avLst/>
+          </a:prstGeom>
+          <a:ln w="19050">
+            <a:solidFill>
+              <a:srgbClr val="0070C0"/>
+            </a:solidFill>
+            <a:prstDash val="sysDash"/>
+          </a:ln>
+          <a:effectLst/>
+        </p:spPr>
+        <p:style>
+          <a:lnRef idx="1">
+            <a:schemeClr val="accent1"/>
+          </a:lnRef>
+          <a:fillRef idx="2">
+            <a:schemeClr val="accent1"/>
+          </a:fillRef>
+          <a:effectRef idx="1">
+            <a:schemeClr val="accent1"/>
+          </a:effectRef>
+          <a:fontRef idx="minor">
+            <a:schemeClr val="dk1"/>
+          </a:fontRef>
+        </p:style>
+      </p:cxnSp>
+      <p:cxnSp>
+        <p:nvCxnSpPr>
+          <p:cNvPr id="40" name="Straight Arrow Connector 39">
+            <a:extLst>
+              <a:ext uri="{FF2B5EF4-FFF2-40B4-BE49-F238E27FC236}">
+                <a16:creationId xmlns:a16="http://schemas.microsoft.com/office/drawing/2014/main" id="{C430030B-AEF9-4B52-8CFD-D2845B3E790A}"/>
+              </a:ext>
+            </a:extLst>
+          </p:cNvPr>
+          <p:cNvCxnSpPr>
+            <a:cxnSpLocks/>
+          </p:cNvCxnSpPr>
+          <p:nvPr/>
+        </p:nvCxnSpPr>
+        <p:spPr>
+          <a:xfrm>
+            <a:off x="5580112" y="3789040"/>
+            <a:ext cx="1133796" cy="0"/>
+          </a:xfrm>
+          <a:prstGeom prst="straightConnector1">
+            <a:avLst/>
+          </a:prstGeom>
+          <a:ln w="19050">
+            <a:solidFill>
+              <a:srgbClr val="0070C0"/>
+            </a:solidFill>
+            <a:prstDash val="sysDash"/>
+            <a:headEnd type="arrow" w="med" len="med"/>
+            <a:tailEnd type="none" w="med" len="med"/>
+          </a:ln>
+        </p:spPr>
+        <p:style>
+          <a:lnRef idx="1">
+            <a:schemeClr val="accent1"/>
+          </a:lnRef>
+          <a:fillRef idx="0">
+            <a:schemeClr val="accent1"/>
+          </a:fillRef>
+          <a:effectRef idx="0">
+            <a:schemeClr val="accent1"/>
+          </a:effectRef>
+          <a:fontRef idx="minor">
+            <a:schemeClr val="tx1"/>
+          </a:fontRef>
+        </p:style>
+      </p:cxnSp>
+      <p:sp>
+        <p:nvSpPr>
+          <p:cNvPr id="41" name="Rectangle 40">
+            <a:extLst>
+              <a:ext uri="{FF2B5EF4-FFF2-40B4-BE49-F238E27FC236}">
+                <a16:creationId xmlns:a16="http://schemas.microsoft.com/office/drawing/2014/main" id="{2E71E37F-55BB-4937-9D2A-A9B836CF53B1}"/>
+              </a:ext>
+            </a:extLst>
+          </p:cNvPr>
+          <p:cNvSpPr/>
+          <p:nvPr/>
+        </p:nvSpPr>
+        <p:spPr>
+          <a:xfrm>
+            <a:off x="5436096" y="2636912"/>
+            <a:ext cx="152400" cy="144000"/>
+          </a:xfrm>
+          <a:prstGeom prst="rect">
+            <a:avLst/>
+          </a:prstGeom>
+          <a:solidFill>
+            <a:srgbClr val="0070C0"/>
+          </a:solidFill>
+          <a:ln>
+            <a:solidFill>
+              <a:srgbClr val="0070C0"/>
+            </a:solidFill>
+          </a:ln>
+          <a:effectLst/>
+        </p:spPr>
+        <p:style>
+          <a:lnRef idx="1">
+            <a:schemeClr val="accent3"/>
+          </a:lnRef>
+          <a:fillRef idx="2">
+            <a:schemeClr val="accent3"/>
+          </a:fillRef>
+          <a:effectRef idx="1">
+            <a:schemeClr val="accent3"/>
+          </a:effectRef>
+          <a:fontRef idx="minor">
+            <a:schemeClr val="dk1"/>
+          </a:fontRef>
+        </p:style>
+        <p:txBody>
+          <a:bodyPr rtlCol="0" anchor="ctr"/>
+          <a:lstStyle>
+            <a:defPPr>
+              <a:defRPr lang="en-US"/>
+            </a:defPPr>
+            <a:lvl1pPr marL="0" algn="l" defTabSz="914400" rtl="0" eaLnBrk="1" latinLnBrk="0" hangingPunct="1">
+              <a:defRPr sz="1800" kern="1200">
+                <a:solidFill>
+                  <a:schemeClr val="dk1"/>
+                </a:solidFill>
+                <a:latin typeface="+mn-lt"/>
+                <a:ea typeface="+mn-ea"/>
+                <a:cs typeface="+mn-cs"/>
+              </a:defRPr>
+            </a:lvl1pPr>
+            <a:lvl2pPr marL="457200" algn="l" defTabSz="914400" rtl="0" eaLnBrk="1" latinLnBrk="0" hangingPunct="1">
+              <a:defRPr sz="1800" kern="1200">
+                <a:solidFill>
+                  <a:schemeClr val="dk1"/>
+                </a:solidFill>
+                <a:latin typeface="+mn-lt"/>
+                <a:ea typeface="+mn-ea"/>
+                <a:cs typeface="+mn-cs"/>
+              </a:defRPr>
+            </a:lvl2pPr>
+            <a:lvl3pPr marL="914400" algn="l" defTabSz="914400" rtl="0" eaLnBrk="1" latinLnBrk="0" hangingPunct="1">
+              <a:defRPr sz="1800" kern="1200">
+                <a:solidFill>
+                  <a:schemeClr val="dk1"/>
+                </a:solidFill>
+                <a:latin typeface="+mn-lt"/>
+                <a:ea typeface="+mn-ea"/>
+                <a:cs typeface="+mn-cs"/>
+              </a:defRPr>
+            </a:lvl3pPr>
+            <a:lvl4pPr marL="1371600" algn="l" defTabSz="914400" rtl="0" eaLnBrk="1" latinLnBrk="0" hangingPunct="1">
+              <a:defRPr sz="1800" kern="1200">
+                <a:solidFill>
+                  <a:schemeClr val="dk1"/>
+                </a:solidFill>
+                <a:latin typeface="+mn-lt"/>
+                <a:ea typeface="+mn-ea"/>
+                <a:cs typeface="+mn-cs"/>
+              </a:defRPr>
+            </a:lvl4pPr>
+            <a:lvl5pPr marL="1828800" algn="l" defTabSz="914400" rtl="0" eaLnBrk="1" latinLnBrk="0" hangingPunct="1">
+              <a:defRPr sz="1800" kern="1200">
+                <a:solidFill>
+                  <a:schemeClr val="dk1"/>
+                </a:solidFill>
+                <a:latin typeface="+mn-lt"/>
+                <a:ea typeface="+mn-ea"/>
+                <a:cs typeface="+mn-cs"/>
+              </a:defRPr>
+            </a:lvl5pPr>
+            <a:lvl6pPr marL="2286000" algn="l" defTabSz="914400" rtl="0" eaLnBrk="1" latinLnBrk="0" hangingPunct="1">
+              <a:defRPr sz="1800" kern="1200">
+                <a:solidFill>
+                  <a:schemeClr val="dk1"/>
+                </a:solidFill>
+                <a:latin typeface="+mn-lt"/>
+                <a:ea typeface="+mn-ea"/>
+                <a:cs typeface="+mn-cs"/>
+              </a:defRPr>
+            </a:lvl6pPr>
+            <a:lvl7pPr marL="2743200" algn="l" defTabSz="914400" rtl="0" eaLnBrk="1" latinLnBrk="0" hangingPunct="1">
+              <a:defRPr sz="1800" kern="1200">
+                <a:solidFill>
+                  <a:schemeClr val="dk1"/>
+                </a:solidFill>
+                <a:latin typeface="+mn-lt"/>
+                <a:ea typeface="+mn-ea"/>
+                <a:cs typeface="+mn-cs"/>
+              </a:defRPr>
+            </a:lvl7pPr>
+            <a:lvl8pPr marL="3200400" algn="l" defTabSz="914400" rtl="0" eaLnBrk="1" latinLnBrk="0" hangingPunct="1">
+              <a:defRPr sz="1800" kern="1200">
+                <a:solidFill>
+                  <a:schemeClr val="dk1"/>
+                </a:solidFill>
+                <a:latin typeface="+mn-lt"/>
+                <a:ea typeface="+mn-ea"/>
+                <a:cs typeface="+mn-cs"/>
+              </a:defRPr>
+            </a:lvl8pPr>
+            <a:lvl9pPr marL="3657600" algn="l" defTabSz="914400" rtl="0" eaLnBrk="1" latinLnBrk="0" hangingPunct="1">
+              <a:defRPr sz="1800" kern="1200">
+                <a:solidFill>
+                  <a:schemeClr val="dk1"/>
+                </a:solidFill>
+                <a:latin typeface="+mn-lt"/>
+                <a:ea typeface="+mn-ea"/>
+                <a:cs typeface="+mn-cs"/>
+              </a:defRPr>
+            </a:lvl9pPr>
+          </a:lstStyle>
+          <a:p>
+            <a:pPr algn="ctr"/>
+            <a:endParaRPr lang="en-SG" sz="1400"/>
+          </a:p>
+        </p:txBody>
+      </p:sp>
+      <p:cxnSp>
+        <p:nvCxnSpPr>
+          <p:cNvPr id="42" name="Straight Arrow Connector 41">
+            <a:extLst>
+              <a:ext uri="{FF2B5EF4-FFF2-40B4-BE49-F238E27FC236}">
+                <a16:creationId xmlns:a16="http://schemas.microsoft.com/office/drawing/2014/main" id="{35531E56-1A4D-4E78-A1DC-4EFD4B385A9C}"/>
+              </a:ext>
+            </a:extLst>
+          </p:cNvPr>
+          <p:cNvCxnSpPr/>
+          <p:nvPr/>
+        </p:nvCxnSpPr>
+        <p:spPr>
+          <a:xfrm>
+            <a:off x="3312096" y="2780928"/>
+            <a:ext cx="2124000" cy="0"/>
+          </a:xfrm>
+          <a:prstGeom prst="straightConnector1">
+            <a:avLst/>
+          </a:prstGeom>
+          <a:ln w="19050">
+            <a:solidFill>
+              <a:srgbClr val="0070C0"/>
+            </a:solidFill>
+            <a:prstDash val="sysDash"/>
+            <a:headEnd type="arrow" w="med" len="med"/>
+            <a:tailEnd type="none" w="med" len="med"/>
+          </a:ln>
+        </p:spPr>
+        <p:style>
+          <a:lnRef idx="1">
+            <a:schemeClr val="accent1"/>
+          </a:lnRef>
+          <a:fillRef idx="0">
+            <a:schemeClr val="accent1"/>
+          </a:fillRef>
+          <a:effectRef idx="0">
+            <a:schemeClr val="accent1"/>
+          </a:effectRef>
+          <a:fontRef idx="minor">
+            <a:schemeClr val="tx1"/>
+          </a:fontRef>
+        </p:style>
+      </p:cxnSp>
+      <p:cxnSp>
+        <p:nvCxnSpPr>
+          <p:cNvPr id="43" name="Straight Arrow Connector 42">
+            <a:extLst>
+              <a:ext uri="{FF2B5EF4-FFF2-40B4-BE49-F238E27FC236}">
+                <a16:creationId xmlns:a16="http://schemas.microsoft.com/office/drawing/2014/main" id="{94B1182E-6CC6-4818-B0CB-269F3F6E2851}"/>
+              </a:ext>
+            </a:extLst>
+          </p:cNvPr>
+          <p:cNvCxnSpPr/>
+          <p:nvPr/>
+        </p:nvCxnSpPr>
+        <p:spPr>
+          <a:xfrm flipV="1">
+            <a:off x="3312008" y="3428999"/>
+            <a:ext cx="2142000" cy="1"/>
+          </a:xfrm>
+          <a:prstGeom prst="straightConnector1">
+            <a:avLst/>
+          </a:prstGeom>
+          <a:ln w="19050">
+            <a:solidFill>
+              <a:srgbClr val="0070C0"/>
+            </a:solidFill>
+            <a:tailEnd type="arrow"/>
+          </a:ln>
+        </p:spPr>
+        <p:style>
+          <a:lnRef idx="1">
+            <a:schemeClr val="accent1"/>
+          </a:lnRef>
+          <a:fillRef idx="0">
+            <a:schemeClr val="accent1"/>
+          </a:fillRef>
+          <a:effectRef idx="0">
+            <a:schemeClr val="accent1"/>
+          </a:effectRef>
+          <a:fontRef idx="minor">
+            <a:schemeClr val="tx1"/>
+          </a:fontRef>
+        </p:style>
+      </p:cxnSp>
     </p:spTree>
+    <p:extLst>
+      <p:ext uri="{BB962C8B-B14F-4D97-AF65-F5344CB8AC3E}">
+        <p14:creationId xmlns:p14="http://schemas.microsoft.com/office/powerpoint/2010/main" val="424998471"/>
+      </p:ext>
+    </p:extLst>
   </p:cSld>
   <p:clrMapOvr>
     <a:masterClrMapping/>
